--- a/Figures2to5.pptx
+++ b/Figures2to5.pptx
@@ -200,7 +200,7 @@
           <a:p>
             <a:fld id="{7C8507A7-2357-4EFF-B8CA-2A2CB38357D2}" type="datetimeFigureOut">
               <a:rPr lang="en-AU" smtClean="0"/>
-              <a:t>31/01/2022</a:t>
+              <a:t>2/02/2022</a:t>
             </a:fld>
             <a:endParaRPr lang="en-AU"/>
           </a:p>
@@ -517,14 +517,7 @@
           <a:bodyPr/>
           <a:lstStyle/>
           <a:p>
-            <a:r>
-              <a:rPr lang="en-AU" sz="1100" b="1" dirty="0"/>
-              <a:t>Figure 2: </a:t>
-            </a:r>
-            <a:r>
-              <a:rPr lang="en-AU" sz="1100" dirty="0"/>
-              <a:t>Biplots of the performances of the 686 genotypes in each ESWYT cycle from (a) the COP-based K model and (b) the GRM-based K model. The vectors indicate the ESWYT cycles/years (1 to 25). The names of the 35 released cultivars (Table 2) are included in these biplots. The cultivars in red do not carry the 1B/1R translocation, while the cultivars in blue have the 1B/1R translocation. Refer to Table 1 for a description of these models.</a:t>
-            </a:r>
+            <a:endParaRPr lang="en-AU" sz="1100" dirty="0"/>
           </a:p>
         </p:txBody>
       </p:sp>
@@ -800,67 +793,6 @@
           <a:bodyPr/>
           <a:lstStyle/>
           <a:p>
-            <a:pPr marL="0" marR="0" lvl="0" indent="0" algn="l" defTabSz="1075334" rtl="0" eaLnBrk="1" fontAlgn="auto" latinLnBrk="0" hangingPunct="1">
-              <a:lnSpc>
-                <a:spcPct val="100000"/>
-              </a:lnSpc>
-              <a:spcBef>
-                <a:spcPts val="0"/>
-              </a:spcBef>
-              <a:spcAft>
-                <a:spcPts val="0"/>
-              </a:spcAft>
-              <a:buClrTx/>
-              <a:buSzTx/>
-              <a:buFontTx/>
-              <a:buNone/>
-              <a:tabLst/>
-              <a:defRPr/>
-            </a:pPr>
-            <a:r>
-              <a:rPr lang="en-AU" sz="1100" b="1" dirty="0">
-                <a:effectLst/>
-                <a:latin typeface="Calibri" panose="020F0502020204030204" pitchFamily="34" charset="0"/>
-                <a:ea typeface="Calibri" panose="020F0502020204030204" pitchFamily="34" charset="0"/>
-                <a:cs typeface="Calibri" panose="020F0502020204030204" pitchFamily="34" charset="0"/>
-              </a:rPr>
-              <a:t>Figure 5:</a:t>
-            </a:r>
-            <a:r>
-              <a:rPr lang="en-AU" sz="1100" dirty="0">
-                <a:effectLst/>
-                <a:latin typeface="Calibri" panose="020F0502020204030204" pitchFamily="34" charset="0"/>
-                <a:ea typeface="Calibri" panose="020F0502020204030204" pitchFamily="34" charset="0"/>
-                <a:cs typeface="Calibri" panose="020F0502020204030204" pitchFamily="34" charset="0"/>
-              </a:rPr>
-              <a:t> Comparison of the optimised dendrograms of the first 25 ESWYT cycles/years based on the correlation matrix among years (</a:t>
-            </a:r>
-            <a:r>
-              <a:rPr lang="en-AU" sz="1100" b="1" dirty="0">
-                <a:effectLst/>
-                <a:latin typeface="Calibri" panose="020F0502020204030204" pitchFamily="34" charset="0"/>
-                <a:ea typeface="Calibri" panose="020F0502020204030204" pitchFamily="34" charset="0"/>
-                <a:cs typeface="Calibri" panose="020F0502020204030204" pitchFamily="34" charset="0"/>
-              </a:rPr>
-              <a:t>W</a:t>
-            </a:r>
-            <a:r>
-              <a:rPr lang="en-AU" sz="1100" dirty="0">
-                <a:effectLst/>
-                <a:latin typeface="Calibri" panose="020F0502020204030204" pitchFamily="34" charset="0"/>
-                <a:ea typeface="Calibri" panose="020F0502020204030204" pitchFamily="34" charset="0"/>
-                <a:cs typeface="Calibri" panose="020F0502020204030204" pitchFamily="34" charset="0"/>
-              </a:rPr>
-              <a:t> matrix) estimated using factor analytic model from (a) the COP-based KFA model and (b) the GRM-based KFA model. The red vertical dotted lines indicate the four-group levels. Refer to Table 1 for a description of these models.</a:t>
-            </a:r>
-            <a:endParaRPr lang="en-AU" sz="1100" dirty="0">
-              <a:effectLst/>
-              <a:latin typeface="Calibri" panose="020F0502020204030204" pitchFamily="34" charset="0"/>
-              <a:ea typeface="Calibri" panose="020F0502020204030204" pitchFamily="34" charset="0"/>
-              <a:cs typeface="Times New Roman" panose="02020603050405020304" pitchFamily="18" charset="0"/>
-            </a:endParaRPr>
-          </a:p>
-          <a:p>
             <a:endParaRPr lang="en-AU" dirty="0"/>
           </a:p>
         </p:txBody>
@@ -1032,7 +964,7 @@
           <a:p>
             <a:fld id="{2AFCE069-6371-46F2-984A-AABE83092AB1}" type="datetimeFigureOut">
               <a:rPr lang="en-AU" smtClean="0"/>
-              <a:t>31/01/2022</a:t>
+              <a:t>2/02/2022</a:t>
             </a:fld>
             <a:endParaRPr lang="en-AU"/>
           </a:p>
@@ -1202,7 +1134,7 @@
           <a:p>
             <a:fld id="{2AFCE069-6371-46F2-984A-AABE83092AB1}" type="datetimeFigureOut">
               <a:rPr lang="en-AU" smtClean="0"/>
-              <a:t>31/01/2022</a:t>
+              <a:t>2/02/2022</a:t>
             </a:fld>
             <a:endParaRPr lang="en-AU"/>
           </a:p>
@@ -1382,7 +1314,7 @@
           <a:p>
             <a:fld id="{2AFCE069-6371-46F2-984A-AABE83092AB1}" type="datetimeFigureOut">
               <a:rPr lang="en-AU" smtClean="0"/>
-              <a:t>31/01/2022</a:t>
+              <a:t>2/02/2022</a:t>
             </a:fld>
             <a:endParaRPr lang="en-AU"/>
           </a:p>
@@ -1552,7 +1484,7 @@
           <a:p>
             <a:fld id="{2AFCE069-6371-46F2-984A-AABE83092AB1}" type="datetimeFigureOut">
               <a:rPr lang="en-AU" smtClean="0"/>
-              <a:t>31/01/2022</a:t>
+              <a:t>2/02/2022</a:t>
             </a:fld>
             <a:endParaRPr lang="en-AU"/>
           </a:p>
@@ -1796,7 +1728,7 @@
           <a:p>
             <a:fld id="{2AFCE069-6371-46F2-984A-AABE83092AB1}" type="datetimeFigureOut">
               <a:rPr lang="en-AU" smtClean="0"/>
-              <a:t>31/01/2022</a:t>
+              <a:t>2/02/2022</a:t>
             </a:fld>
             <a:endParaRPr lang="en-AU"/>
           </a:p>
@@ -2028,7 +1960,7 @@
           <a:p>
             <a:fld id="{2AFCE069-6371-46F2-984A-AABE83092AB1}" type="datetimeFigureOut">
               <a:rPr lang="en-AU" smtClean="0"/>
-              <a:t>31/01/2022</a:t>
+              <a:t>2/02/2022</a:t>
             </a:fld>
             <a:endParaRPr lang="en-AU"/>
           </a:p>
@@ -2395,7 +2327,7 @@
           <a:p>
             <a:fld id="{2AFCE069-6371-46F2-984A-AABE83092AB1}" type="datetimeFigureOut">
               <a:rPr lang="en-AU" smtClean="0"/>
-              <a:t>31/01/2022</a:t>
+              <a:t>2/02/2022</a:t>
             </a:fld>
             <a:endParaRPr lang="en-AU"/>
           </a:p>
@@ -2513,7 +2445,7 @@
           <a:p>
             <a:fld id="{2AFCE069-6371-46F2-984A-AABE83092AB1}" type="datetimeFigureOut">
               <a:rPr lang="en-AU" smtClean="0"/>
-              <a:t>31/01/2022</a:t>
+              <a:t>2/02/2022</a:t>
             </a:fld>
             <a:endParaRPr lang="en-AU"/>
           </a:p>
@@ -2608,7 +2540,7 @@
           <a:p>
             <a:fld id="{2AFCE069-6371-46F2-984A-AABE83092AB1}" type="datetimeFigureOut">
               <a:rPr lang="en-AU" smtClean="0"/>
-              <a:t>31/01/2022</a:t>
+              <a:t>2/02/2022</a:t>
             </a:fld>
             <a:endParaRPr lang="en-AU"/>
           </a:p>
@@ -2885,7 +2817,7 @@
           <a:p>
             <a:fld id="{2AFCE069-6371-46F2-984A-AABE83092AB1}" type="datetimeFigureOut">
               <a:rPr lang="en-AU" smtClean="0"/>
-              <a:t>31/01/2022</a:t>
+              <a:t>2/02/2022</a:t>
             </a:fld>
             <a:endParaRPr lang="en-AU"/>
           </a:p>
@@ -3142,7 +3074,7 @@
           <a:p>
             <a:fld id="{2AFCE069-6371-46F2-984A-AABE83092AB1}" type="datetimeFigureOut">
               <a:rPr lang="en-AU" smtClean="0"/>
-              <a:t>31/01/2022</a:t>
+              <a:t>2/02/2022</a:t>
             </a:fld>
             <a:endParaRPr lang="en-AU"/>
           </a:p>
@@ -3355,7 +3287,7 @@
           <a:p>
             <a:fld id="{2AFCE069-6371-46F2-984A-AABE83092AB1}" type="datetimeFigureOut">
               <a:rPr lang="en-AU" smtClean="0"/>
-              <a:t>31/01/2022</a:t>
+              <a:t>2/02/2022</a:t>
             </a:fld>
             <a:endParaRPr lang="en-AU"/>
           </a:p>
@@ -3788,14 +3720,53 @@
         </p:blipFill>
         <p:spPr>
           <a:xfrm>
-            <a:off x="1548905" y="207747"/>
-            <a:ext cx="8444180" cy="9185706"/>
+            <a:off x="0" y="-1"/>
+            <a:ext cx="8585966" cy="9339943"/>
           </a:xfrm>
           <a:prstGeom prst="rect">
             <a:avLst/>
           </a:prstGeom>
         </p:spPr>
       </p:pic>
+      <p:sp>
+        <p:nvSpPr>
+          <p:cNvPr id="5" name="TextBox 4">
+            <a:extLst>
+              <a:ext uri="{FF2B5EF4-FFF2-40B4-BE49-F238E27FC236}">
+                <a16:creationId xmlns:a16="http://schemas.microsoft.com/office/drawing/2014/main" id="{2F3D596C-2D4D-4CB6-B134-1B462D95ADD6}"/>
+              </a:ext>
+            </a:extLst>
+          </p:cNvPr>
+          <p:cNvSpPr txBox="1"/>
+          <p:nvPr/>
+        </p:nvSpPr>
+        <p:spPr>
+          <a:xfrm>
+            <a:off x="8862191" y="5626800"/>
+            <a:ext cx="3743465" cy="2800767"/>
+          </a:xfrm>
+          <a:prstGeom prst="rect">
+            <a:avLst/>
+          </a:prstGeom>
+          <a:noFill/>
+        </p:spPr>
+        <p:txBody>
+          <a:bodyPr wrap="square">
+            <a:spAutoFit/>
+          </a:bodyPr>
+          <a:lstStyle/>
+          <a:p>
+            <a:r>
+              <a:rPr lang="en-AU" sz="1600" b="1" dirty="0"/>
+              <a:t>Figure 2: </a:t>
+            </a:r>
+            <a:r>
+              <a:rPr lang="en-AU" sz="1600" dirty="0"/>
+              <a:t>Biplots of the performances of the 686 genotypes in each ESWYT cycle from (a) the COP-based K model and (b) the GRM-based K model. The vectors indicate the ESWYT cycles/years (1 to 25). The names of the 35 released cultivars (Table 2) are included in these biplots. The cultivars in red do not carry the 1B/1R translocation, while the cultivars in blue have the 1B/1R translocation. Refer to Table 1 for a description of these models.</a:t>
+            </a:r>
+          </a:p>
+        </p:txBody>
+      </p:sp>
     </p:spTree>
     <p:extLst>
       <p:ext uri="{BB962C8B-B14F-4D97-AF65-F5344CB8AC3E}">
@@ -3848,7 +3819,7 @@
         </p:blipFill>
         <p:spPr>
           <a:xfrm>
-            <a:off x="59863" y="1388564"/>
+            <a:off x="59863" y="369661"/>
             <a:ext cx="12741737" cy="5632722"/>
           </a:xfrm>
           <a:prstGeom prst="rect">
@@ -3856,6 +3827,53 @@
           </a:prstGeom>
         </p:spPr>
       </p:pic>
+      <p:sp>
+        <p:nvSpPr>
+          <p:cNvPr id="4" name="TextBox 3">
+            <a:extLst>
+              <a:ext uri="{FF2B5EF4-FFF2-40B4-BE49-F238E27FC236}">
+                <a16:creationId xmlns:a16="http://schemas.microsoft.com/office/drawing/2014/main" id="{94CED3C8-2E97-4021-BAEC-89EB04135ADD}"/>
+              </a:ext>
+            </a:extLst>
+          </p:cNvPr>
+          <p:cNvSpPr txBox="1"/>
+          <p:nvPr/>
+        </p:nvSpPr>
+        <p:spPr>
+          <a:xfrm>
+            <a:off x="195941" y="6282621"/>
+            <a:ext cx="12370527" cy="923330"/>
+          </a:xfrm>
+          <a:prstGeom prst="rect">
+            <a:avLst/>
+          </a:prstGeom>
+          <a:noFill/>
+        </p:spPr>
+        <p:txBody>
+          <a:bodyPr wrap="square">
+            <a:spAutoFit/>
+          </a:bodyPr>
+          <a:lstStyle/>
+          <a:p>
+            <a:r>
+              <a:rPr lang="en-AU" sz="1800" b="1" dirty="0"/>
+              <a:t>Figure 3: </a:t>
+            </a:r>
+            <a:r>
+              <a:rPr lang="en-AU" sz="1800" dirty="0"/>
+              <a:t>Comparison of the optimised </a:t>
+            </a:r>
+            <a:r>
+              <a:rPr lang="en-AU" sz="1600" dirty="0"/>
+              <a:t>dendrograms</a:t>
+            </a:r>
+            <a:r>
+              <a:rPr lang="en-AU" sz="1800" dirty="0"/>
+              <a:t> of the first 25 ESWYT cycles/years based on the genotype-by-year performance tables from (a) the COP-based K model and (b) the GRM-based K model. The red vertical dotted lines indicate the three-group levels. Refer to Table 1 for a description of these models.</a:t>
+            </a:r>
+          </a:p>
+        </p:txBody>
+      </p:sp>
     </p:spTree>
     <p:extLst>
       <p:ext uri="{BB962C8B-B14F-4D97-AF65-F5344CB8AC3E}">
@@ -3914,14 +3932,53 @@
         </p:blipFill>
         <p:spPr>
           <a:xfrm>
-            <a:off x="3278344" y="347931"/>
-            <a:ext cx="4725861" cy="9253269"/>
+            <a:off x="234698" y="0"/>
+            <a:ext cx="4843514" cy="9483634"/>
           </a:xfrm>
           <a:prstGeom prst="rect">
             <a:avLst/>
           </a:prstGeom>
         </p:spPr>
       </p:pic>
+      <p:sp>
+        <p:nvSpPr>
+          <p:cNvPr id="4" name="TextBox 3">
+            <a:extLst>
+              <a:ext uri="{FF2B5EF4-FFF2-40B4-BE49-F238E27FC236}">
+                <a16:creationId xmlns:a16="http://schemas.microsoft.com/office/drawing/2014/main" id="{3C47AA9E-6E08-46E1-896F-1C7F415EDCD3}"/>
+              </a:ext>
+            </a:extLst>
+          </p:cNvPr>
+          <p:cNvSpPr txBox="1"/>
+          <p:nvPr/>
+        </p:nvSpPr>
+        <p:spPr>
+          <a:xfrm>
+            <a:off x="5577839" y="6880834"/>
+            <a:ext cx="7119258" cy="1569660"/>
+          </a:xfrm>
+          <a:prstGeom prst="rect">
+            <a:avLst/>
+          </a:prstGeom>
+          <a:noFill/>
+        </p:spPr>
+        <p:txBody>
+          <a:bodyPr wrap="square">
+            <a:spAutoFit/>
+          </a:bodyPr>
+          <a:lstStyle/>
+          <a:p>
+            <a:r>
+              <a:rPr lang="en-AU" sz="1600" b="1" dirty="0"/>
+              <a:t>Figure 4: </a:t>
+            </a:r>
+            <a:r>
+              <a:rPr lang="en-AU" sz="1600" dirty="0"/>
+              <a:t>Biplots of the performances of the 686 genotypes in each ESWYT cycle from (a) the COP-based KFA model and (b) the GRM-based KFA model. The vectors indicate the ESWYT cycles/years (1 to 25). The name of the 35 released cultivars (Table 2) are included in these biplots. The cultivars in red do not carry the 1B/1R translocation, while the cultivars in blue have the 1B/1R translocation. Refer to Table 1 for a description of these models.</a:t>
+            </a:r>
+          </a:p>
+        </p:txBody>
+      </p:sp>
     </p:spTree>
     <p:extLst>
       <p:ext uri="{BB962C8B-B14F-4D97-AF65-F5344CB8AC3E}">
@@ -3982,6 +4039,96 @@
           </a:prstGeom>
         </p:spPr>
       </p:pic>
+      <p:sp>
+        <p:nvSpPr>
+          <p:cNvPr id="4" name="TextBox 3">
+            <a:extLst>
+              <a:ext uri="{FF2B5EF4-FFF2-40B4-BE49-F238E27FC236}">
+                <a16:creationId xmlns:a16="http://schemas.microsoft.com/office/drawing/2014/main" id="{22D22529-36A4-4E51-B39B-DE53AF52A65D}"/>
+              </a:ext>
+            </a:extLst>
+          </p:cNvPr>
+          <p:cNvSpPr txBox="1"/>
+          <p:nvPr/>
+        </p:nvSpPr>
+        <p:spPr>
+          <a:xfrm>
+            <a:off x="411464" y="7332843"/>
+            <a:ext cx="11959061" cy="830997"/>
+          </a:xfrm>
+          <a:prstGeom prst="rect">
+            <a:avLst/>
+          </a:prstGeom>
+          <a:noFill/>
+        </p:spPr>
+        <p:txBody>
+          <a:bodyPr wrap="square">
+            <a:spAutoFit/>
+          </a:bodyPr>
+          <a:lstStyle/>
+          <a:p>
+            <a:pPr marL="0" marR="0" lvl="0" indent="0" algn="l" defTabSz="1075334" rtl="0" eaLnBrk="1" fontAlgn="auto" latinLnBrk="0" hangingPunct="1">
+              <a:lnSpc>
+                <a:spcPct val="100000"/>
+              </a:lnSpc>
+              <a:spcBef>
+                <a:spcPts val="0"/>
+              </a:spcBef>
+              <a:spcAft>
+                <a:spcPts val="0"/>
+              </a:spcAft>
+              <a:buClrTx/>
+              <a:buSzTx/>
+              <a:buFontTx/>
+              <a:buNone/>
+              <a:tabLst/>
+              <a:defRPr/>
+            </a:pPr>
+            <a:r>
+              <a:rPr lang="en-AU" sz="1600" b="1" dirty="0">
+                <a:effectLst/>
+                <a:latin typeface="Calibri" panose="020F0502020204030204" pitchFamily="34" charset="0"/>
+                <a:ea typeface="Calibri" panose="020F0502020204030204" pitchFamily="34" charset="0"/>
+                <a:cs typeface="Calibri" panose="020F0502020204030204" pitchFamily="34" charset="0"/>
+              </a:rPr>
+              <a:t>Figure 5:</a:t>
+            </a:r>
+            <a:r>
+              <a:rPr lang="en-AU" sz="1600" dirty="0">
+                <a:effectLst/>
+                <a:latin typeface="Calibri" panose="020F0502020204030204" pitchFamily="34" charset="0"/>
+                <a:ea typeface="Calibri" panose="020F0502020204030204" pitchFamily="34" charset="0"/>
+                <a:cs typeface="Calibri" panose="020F0502020204030204" pitchFamily="34" charset="0"/>
+              </a:rPr>
+              <a:t> Comparison of the optimised dendrograms of the first 25 ESWYT cycles/years based on the correlation matrix among years (</a:t>
+            </a:r>
+            <a:r>
+              <a:rPr lang="en-AU" sz="1600" b="1" dirty="0">
+                <a:effectLst/>
+                <a:latin typeface="Calibri" panose="020F0502020204030204" pitchFamily="34" charset="0"/>
+                <a:ea typeface="Calibri" panose="020F0502020204030204" pitchFamily="34" charset="0"/>
+                <a:cs typeface="Calibri" panose="020F0502020204030204" pitchFamily="34" charset="0"/>
+              </a:rPr>
+              <a:t>W</a:t>
+            </a:r>
+            <a:r>
+              <a:rPr lang="en-AU" sz="1600" dirty="0">
+                <a:effectLst/>
+                <a:latin typeface="Calibri" panose="020F0502020204030204" pitchFamily="34" charset="0"/>
+                <a:ea typeface="Calibri" panose="020F0502020204030204" pitchFamily="34" charset="0"/>
+                <a:cs typeface="Calibri" panose="020F0502020204030204" pitchFamily="34" charset="0"/>
+              </a:rPr>
+              <a:t> matrix) estimated using factor analytic model from (a) the COP-based KFA model and (b) the GRM-based KFA model. The red vertical dotted lines indicate the four-group levels. Refer to Table 1 for a description of these models.</a:t>
+            </a:r>
+            <a:endParaRPr lang="en-AU" sz="1600" dirty="0">
+              <a:effectLst/>
+              <a:latin typeface="Calibri" panose="020F0502020204030204" pitchFamily="34" charset="0"/>
+              <a:ea typeface="Calibri" panose="020F0502020204030204" pitchFamily="34" charset="0"/>
+              <a:cs typeface="Times New Roman" panose="02020603050405020304" pitchFamily="18" charset="0"/>
+            </a:endParaRPr>
+          </a:p>
+        </p:txBody>
+      </p:sp>
     </p:spTree>
     <p:extLst>
       <p:ext uri="{BB962C8B-B14F-4D97-AF65-F5344CB8AC3E}">
